--- a/Documents/presentation.pptx
+++ b/Documents/presentation.pptx
@@ -3341,7 +3341,7 @@
             </a:pPr>
             <a:r>
               <a:rPr lang="en-IN" sz="4800" b="1" u="sng"/>
-              <a:t>INTRODUCTION</a:t>
+              <a:t>Introduction</a:t>
             </a:r>
             <a:endParaRPr lang="en-US" sz="4800" b="1" u="sng"/>
           </a:p>
@@ -3434,7 +3434,36 @@
               </a:rPr>
               <a:t>This application takes the image of a hand written document and converts it into a digital text.</a:t>
             </a:r>
-            <a:endParaRPr lang="en-US" sz="2800">
+            <a:endParaRPr sz="2800" b="0" i="0" u="none">
+              <a:solidFill>
+                <a:srgbClr val="000000"/>
+              </a:solidFill>
+              <a:latin typeface="Carlito"/>
+              <a:ea typeface="Carlito"/>
+              <a:cs typeface="Carlito"/>
+            </a:endParaRPr>
+          </a:p>
+          <a:p>
+            <a:pPr>
+              <a:buFont typeface="Wingdings"/>
+              <a:buChar char="q"/>
+              <a:defRPr/>
+            </a:pPr>
+            <a:r>
+              <a:rPr lang="en-US" sz="2800" b="0" i="0" u="none">
+                <a:solidFill>
+                  <a:srgbClr val="000000"/>
+                </a:solidFill>
+                <a:latin typeface="Carlito"/>
+                <a:ea typeface="Carlito"/>
+                <a:cs typeface="Carlito"/>
+              </a:rPr>
+              <a:t>Uses Deep learning for text recognition</a:t>
+            </a:r>
+            <a:endParaRPr lang="en-US" sz="2800" b="0" i="0" u="none">
+              <a:solidFill>
+                <a:srgbClr val="000000"/>
+              </a:solidFill>
               <a:latin typeface="Carlito"/>
               <a:ea typeface="Carlito"/>
               <a:cs typeface="Carlito"/>
@@ -3562,6 +3591,32 @@
               </a:rPr>
               <a:t>OCR text works efficiently with the printed text only and not with handwritten text.</a:t>
             </a:r>
+            <a:endParaRPr sz="2800" b="0" i="0" u="none">
+              <a:solidFill>
+                <a:srgbClr val="000000"/>
+              </a:solidFill>
+              <a:latin typeface="Carlito"/>
+              <a:ea typeface="Carlito"/>
+              <a:cs typeface="Carlito"/>
+            </a:endParaRPr>
+          </a:p>
+          <a:p>
+            <a:pPr>
+              <a:buFont typeface="Wingdings"/>
+              <a:buChar char="q"/>
+              <a:defRPr/>
+            </a:pPr>
+            <a:r>
+              <a:rPr sz="2800" b="0" i="0" u="none">
+                <a:solidFill>
+                  <a:srgbClr val="000000"/>
+                </a:solidFill>
+                <a:latin typeface="Carlito"/>
+                <a:ea typeface="Carlito"/>
+                <a:cs typeface="Carlito"/>
+              </a:rPr>
+              <a:t>Google vision or AWS textract are good alternatives but requires monthly subscription license and less offline support.</a:t>
+            </a:r>
             <a:endParaRPr/>
           </a:p>
         </p:txBody>
@@ -3665,6 +3720,71 @@
             <a:r>
               <a:rPr lang="en-IN"/>
               <a:t> It can recognize handwritten text of different variations using deeplearning.</a:t>
+            </a:r>
+            <a:endParaRPr lang="en-IN"/>
+          </a:p>
+          <a:p>
+            <a:pPr>
+              <a:buFont typeface="Wingdings"/>
+              <a:buChar char="q"/>
+              <a:defRPr/>
+            </a:pPr>
+            <a:r>
+              <a:rPr lang="en-IN"/>
+              <a:t>Uses 700+ different handwriting </a:t>
+            </a:r>
+            <a:r>
+              <a:rPr lang="en-US" sz="2800" b="0" i="0" u="none" strike="noStrike" cap="none" spc="0">
+                <a:solidFill>
+                  <a:schemeClr val="tx1"/>
+                </a:solidFill>
+                <a:latin typeface="Calibri"/>
+                <a:ea typeface="Calibri"/>
+                <a:cs typeface="Calibri"/>
+              </a:rPr>
+              <a:t>dataset from IAM</a:t>
+            </a:r>
+            <a:endParaRPr lang="en-US" sz="2800" b="0" i="0" u="none" strike="noStrike" cap="none" spc="0">
+              <a:solidFill>
+                <a:schemeClr val="tx1"/>
+              </a:solidFill>
+              <a:latin typeface="Calibri"/>
+              <a:ea typeface="Calibri"/>
+              <a:cs typeface="Calibri"/>
+            </a:endParaRPr>
+          </a:p>
+          <a:p>
+            <a:pPr>
+              <a:buFont typeface="Wingdings"/>
+              <a:buChar char="q"/>
+              <a:defRPr/>
+            </a:pPr>
+            <a:r>
+              <a:rPr lang="en-US" sz="2800" b="0" i="0" u="none" strike="noStrike" cap="none" spc="0">
+                <a:solidFill>
+                  <a:schemeClr val="tx1"/>
+                </a:solidFill>
+                <a:latin typeface="Calibri"/>
+                <a:ea typeface="Calibri"/>
+                <a:cs typeface="Calibri"/>
+              </a:rPr>
+              <a:t>Word segmentation from document and character</a:t>
+            </a:r>
+            <a:r>
+              <a:rPr lang="en-US"/>
+              <a:t> level classification using Convolutional Neural Network(CNN)</a:t>
+            </a:r>
+            <a:endParaRPr lang="en-US"/>
+          </a:p>
+          <a:p>
+            <a:pPr>
+              <a:buFont typeface="Wingdings"/>
+              <a:buChar char="q"/>
+              <a:defRPr/>
+            </a:pPr>
+            <a:r>
+              <a:rPr lang="en-US"/>
+              <a:t>Support offline and easy to integrate</a:t>
             </a:r>
             <a:endParaRPr lang="en-US"/>
           </a:p>

--- a/Documents/presentation.pptx
+++ b/Documents/presentation.pptx
@@ -9,6 +9,7 @@
     <p:sldId id="257" r:id="rId4"/>
     <p:sldId id="258" r:id="rId5"/>
     <p:sldId id="259" r:id="rId6"/>
+    <p:sldId id="260" r:id="rId7"/>
   </p:sldIdLst>
   <p:sldSz cx="12192000" cy="6858000"/>
   <p:notesSz cx="6858000" cy="12192000"/>
@@ -3806,6 +3807,243 @@
 </p:sld>
 </file>
 
+<file path=ppt/slides/slide5.xml><?xml version="1.0" encoding="utf-8"?>
+<p:sld xmlns:a="http://schemas.openxmlformats.org/drawingml/2006/main" xmlns:r="http://schemas.openxmlformats.org/officeDocument/2006/relationships" xmlns:p="http://schemas.openxmlformats.org/presentationml/2006/main" xmlns:m="http://schemas.openxmlformats.org/officeDocument/2006/math" xmlns:w="http://schemas.openxmlformats.org/wordprocessingml/2006/main" showMasterPhAnim="0" show="1">
+  <p:cSld name="">
+    <p:spTree>
+      <p:nvGrpSpPr>
+        <p:cNvPr id="1" name="" hidden="0"/>
+        <p:cNvGrpSpPr/>
+        <p:nvPr isPhoto="0" userDrawn="0"/>
+      </p:nvGrpSpPr>
+      <p:grpSpPr bwMode="auto">
+        <a:xfrm>
+          <a:off x="0" y="0"/>
+          <a:ext cx="0" cy="0"/>
+          <a:chOff x="0" y="0"/>
+          <a:chExt cx="0" cy="0"/>
+        </a:xfrm>
+      </p:grpSpPr>
+      <p:sp>
+        <p:nvSpPr>
+          <p:cNvPr id="4" name="Title 1" hidden="0"/>
+          <p:cNvSpPr>
+            <a:spLocks noGrp="1"/>
+          </p:cNvSpPr>
+          <p:nvPr isPhoto="0" userDrawn="0">
+            <p:ph type="title" hasCustomPrompt="0"/>
+          </p:nvPr>
+        </p:nvSpPr>
+        <p:spPr bwMode="auto"/>
+        <p:txBody>
+          <a:bodyPr/>
+          <a:lstStyle/>
+          <a:p>
+            <a:pPr>
+              <a:defRPr/>
+            </a:pPr>
+            <a:r>
+              <a:rPr lang="en-IN" sz="4400" b="1" i="0" u="sng" strike="noStrike" cap="none" spc="0">
+                <a:solidFill>
+                  <a:schemeClr val="tx1"/>
+                </a:solidFill>
+                <a:latin typeface="+mj-lt"/>
+                <a:ea typeface="+mj-ea"/>
+                <a:cs typeface="+mj-cs"/>
+              </a:rPr>
+              <a:t>References</a:t>
+            </a:r>
+            <a:endParaRPr/>
+          </a:p>
+        </p:txBody>
+      </p:sp>
+      <p:sp>
+        <p:nvSpPr>
+          <p:cNvPr id="5" name="Content Placeholder 2" hidden="0"/>
+          <p:cNvSpPr>
+            <a:spLocks noGrp="1"/>
+          </p:cNvSpPr>
+          <p:nvPr isPhoto="0" userDrawn="0">
+            <p:ph idx="1" hasCustomPrompt="0"/>
+          </p:nvPr>
+        </p:nvSpPr>
+        <p:spPr bwMode="auto"/>
+        <p:txBody>
+          <a:bodyPr vertOverflow="overflow" horzOverflow="clip" vert="horz" wrap="square" lIns="91440" tIns="45720" rIns="91440" bIns="45720" numCol="1" spcCol="0" rtlCol="0" fromWordArt="0" anchor="t" anchorCtr="0" forceAA="0" upright="0" compatLnSpc="0">
+            <a:normAutofit/>
+          </a:bodyPr>
+          <a:lstStyle/>
+          <a:p>
+            <a:pPr>
+              <a:defRPr/>
+            </a:pPr>
+            <a:r>
+              <a:rPr lang="en-US" sz="2800" b="0" i="0" u="none" strike="noStrike" cap="none" spc="0">
+                <a:solidFill>
+                  <a:schemeClr val="tx1"/>
+                </a:solidFill>
+                <a:latin typeface="Calibri"/>
+                <a:ea typeface="Calibri"/>
+                <a:cs typeface="Calibri"/>
+              </a:rPr>
+              <a:t>Sri. Yugandhar Manchala, Jayaram Kinthali, Handwritten Text Recognition using </a:t>
+            </a:r>
+            <a:r>
+              <a:rPr lang="en-US" sz="2800" b="0" i="0" u="none" strike="noStrike" cap="none" spc="0">
+                <a:solidFill>
+                  <a:schemeClr val="tx1"/>
+                </a:solidFill>
+                <a:latin typeface="Calibri"/>
+                <a:ea typeface="Calibri"/>
+                <a:cs typeface="Calibri"/>
+              </a:rPr>
+              <a:t>Deep Learning, IJERT, 2020</a:t>
+            </a:r>
+            <a:endParaRPr lang="en-US" sz="2800" b="0" i="0" u="none" strike="noStrike" cap="none" spc="0">
+              <a:solidFill>
+                <a:schemeClr val="tx1"/>
+              </a:solidFill>
+              <a:latin typeface="Calibri"/>
+              <a:ea typeface="Calibri"/>
+              <a:cs typeface="Calibri"/>
+            </a:endParaRPr>
+          </a:p>
+          <a:p>
+            <a:pPr>
+              <a:defRPr/>
+            </a:pPr>
+            <a:r>
+              <a:rPr lang="en-US" sz="2800" b="0" i="0" u="none" strike="noStrike" cap="none" spc="0">
+                <a:solidFill>
+                  <a:schemeClr val="tx1"/>
+                </a:solidFill>
+                <a:latin typeface="Calibri"/>
+                <a:ea typeface="Calibri"/>
+                <a:cs typeface="Calibri"/>
+              </a:rPr>
+              <a:t>Harald Scheidl, Build a Handwritten recognition using tensorflow,</a:t>
+            </a:r>
+            <a:r>
+              <a:rPr lang="en-US" sz="2800" b="0" i="0" u="none" strike="noStrike" cap="none" spc="0">
+                <a:solidFill>
+                  <a:schemeClr val="tx1"/>
+                </a:solidFill>
+                <a:latin typeface="Calibri"/>
+                <a:ea typeface="Calibri"/>
+                <a:cs typeface="Calibri"/>
+              </a:rPr>
+              <a:t>Towardsdatascience.com, 2018</a:t>
+            </a:r>
+            <a:endParaRPr lang="en-US" sz="2800" b="0" i="0" u="none" strike="noStrike" cap="none" spc="0">
+              <a:solidFill>
+                <a:schemeClr val="tx1"/>
+              </a:solidFill>
+              <a:latin typeface="Calibri"/>
+              <a:ea typeface="Calibri"/>
+              <a:cs typeface="Calibri"/>
+            </a:endParaRPr>
+          </a:p>
+          <a:p>
+            <a:pPr>
+              <a:defRPr/>
+            </a:pPr>
+            <a:r>
+              <a:rPr lang="en-US" sz="2800" b="0" i="0" u="none" strike="noStrike" cap="none" spc="0">
+                <a:solidFill>
+                  <a:schemeClr val="tx1"/>
+                </a:solidFill>
+                <a:latin typeface="Calibri"/>
+                <a:ea typeface="Calibri"/>
+                <a:cs typeface="Calibri"/>
+              </a:rPr>
+              <a:t>Batuhan Balci, Dan Saadati, Dan Shiferaw, Handwritten Text Recognition using </a:t>
+            </a:r>
+            <a:r>
+              <a:rPr lang="en-US" sz="2800" b="0" i="0" u="none" strike="noStrike" cap="none" spc="0">
+                <a:solidFill>
+                  <a:schemeClr val="tx1"/>
+                </a:solidFill>
+                <a:latin typeface="Calibri"/>
+                <a:ea typeface="Calibri"/>
+                <a:cs typeface="Calibri"/>
+              </a:rPr>
+              <a:t>Deep Learning, Stanford university, 2017</a:t>
+            </a:r>
+            <a:endParaRPr lang="en-US" sz="2800" b="0" i="0" u="none" strike="noStrike" cap="none" spc="0">
+              <a:solidFill>
+                <a:schemeClr val="tx1"/>
+              </a:solidFill>
+              <a:latin typeface="Calibri"/>
+              <a:ea typeface="Calibri"/>
+              <a:cs typeface="Calibri"/>
+            </a:endParaRPr>
+          </a:p>
+          <a:p>
+            <a:pPr>
+              <a:defRPr/>
+            </a:pPr>
+            <a:r>
+              <a:rPr lang="en-US" sz="2800" b="0" i="0" u="none" strike="noStrike" cap="none" spc="0">
+                <a:solidFill>
+                  <a:schemeClr val="tx1"/>
+                </a:solidFill>
+                <a:latin typeface="Calibri"/>
+                <a:ea typeface="Calibri"/>
+                <a:cs typeface="Calibri"/>
+              </a:rPr>
+              <a:t>R Manumatha and N Srimal, Scale space technique for handwritten manuscripts, </a:t>
+            </a:r>
+            <a:r>
+              <a:rPr lang="en-US" sz="2800" b="0" i="0" u="none" strike="noStrike" cap="none" spc="0">
+                <a:solidFill>
+                  <a:schemeClr val="tx1"/>
+                </a:solidFill>
+                <a:latin typeface="Calibri"/>
+                <a:ea typeface="Calibri"/>
+                <a:cs typeface="Calibri"/>
+              </a:rPr>
+              <a:t>CITESEERX, 1999</a:t>
+            </a:r>
+            <a:endParaRPr lang="en-US" sz="2800" b="0" i="0" u="none" strike="noStrike" cap="none" spc="0">
+              <a:solidFill>
+                <a:schemeClr val="tx1"/>
+              </a:solidFill>
+              <a:latin typeface="Calibri"/>
+              <a:ea typeface="Calibri"/>
+              <a:cs typeface="Calibri"/>
+            </a:endParaRPr>
+          </a:p>
+          <a:p>
+            <a:pPr>
+              <a:defRPr/>
+            </a:pPr>
+            <a:endParaRPr lang="en-US" sz="2800" b="0" i="0" u="none" strike="noStrike" cap="none" spc="0">
+              <a:solidFill>
+                <a:schemeClr val="tx1"/>
+              </a:solidFill>
+              <a:latin typeface="Calibri"/>
+              <a:ea typeface="Calibri"/>
+              <a:cs typeface="Calibri"/>
+            </a:endParaRPr>
+          </a:p>
+        </p:txBody>
+      </p:sp>
+    </p:spTree>
+  </p:cSld>
+  <p:clrMapOvr>
+    <a:masterClrMapping/>
+  </p:clrMapOvr>
+  <mc:AlternateContent xmlns:mc="http://schemas.openxmlformats.org/markup-compatibility/2006">
+    <mc:Choice xmlns:p14="http://schemas.microsoft.com/office/powerpoint/2010/main" Requires="p14">
+      <p:transition p14:dur="2000" advClick="1"/>
+    </mc:Choice>
+    <mc:Fallback>
+      <p:transition advClick="1"/>
+    </mc:Fallback>
+  </mc:AlternateContent>
+</p:sld>
+</file>
+
 <file path=ppt/theme/theme1.xml><?xml version="1.0" encoding="utf-8"?>
 <a:theme xmlns:a="http://schemas.openxmlformats.org/drawingml/2006/main" xmlns:r="http://schemas.openxmlformats.org/officeDocument/2006/relationships" xmlns:p="http://schemas.openxmlformats.org/presentationml/2006/main" name="Office Theme">
   <a:themeElements>
